--- a/presentation/smai_presentation.pptx
+++ b/presentation/smai_presentation.pptx
@@ -7,13 +7,17 @@
   <p:sldIdLst>
     <p:sldId id="256" r:id="rId2"/>
     <p:sldId id="257" r:id="rId3"/>
-    <p:sldId id="258" r:id="rId4"/>
-    <p:sldId id="262" r:id="rId5"/>
-    <p:sldId id="259" r:id="rId6"/>
-    <p:sldId id="260" r:id="rId7"/>
-    <p:sldId id="261" r:id="rId8"/>
-    <p:sldId id="263" r:id="rId9"/>
-    <p:sldId id="264" r:id="rId10"/>
+    <p:sldId id="265" r:id="rId4"/>
+    <p:sldId id="266" r:id="rId5"/>
+    <p:sldId id="258" r:id="rId6"/>
+    <p:sldId id="262" r:id="rId7"/>
+    <p:sldId id="259" r:id="rId8"/>
+    <p:sldId id="268" r:id="rId9"/>
+    <p:sldId id="260" r:id="rId10"/>
+    <p:sldId id="261" r:id="rId11"/>
+    <p:sldId id="263" r:id="rId12"/>
+    <p:sldId id="264" r:id="rId13"/>
+    <p:sldId id="267" r:id="rId14"/>
   </p:sldIdLst>
   <p:sldSz cx="12192000" cy="6858000"/>
   <p:notesSz cx="6858000" cy="9144000"/>
@@ -3410,6 +3414,365 @@
 </p:sld>
 </file>
 
+<file path=ppt/slides/slide10.xml><?xml version="1.0" encoding="utf-8"?>
+<p:sld xmlns:a="http://schemas.openxmlformats.org/drawingml/2006/main" xmlns:r="http://schemas.openxmlformats.org/officeDocument/2006/relationships" xmlns:p="http://schemas.openxmlformats.org/presentationml/2006/main">
+  <p:cSld>
+    <p:spTree>
+      <p:nvGrpSpPr>
+        <p:cNvPr id="1" name=""/>
+        <p:cNvGrpSpPr/>
+        <p:nvPr/>
+      </p:nvGrpSpPr>
+      <p:grpSpPr>
+        <a:xfrm>
+          <a:off x="0" y="0"/>
+          <a:ext cx="0" cy="0"/>
+          <a:chOff x="0" y="0"/>
+          <a:chExt cx="0" cy="0"/>
+        </a:xfrm>
+      </p:grpSpPr>
+      <p:sp>
+        <p:nvSpPr>
+          <p:cNvPr id="2" name="Title 1">
+            <a:extLst>
+              <a:ext uri="{FF2B5EF4-FFF2-40B4-BE49-F238E27FC236}">
+                <a16:creationId xmlns:a16="http://schemas.microsoft.com/office/drawing/2014/main" id="{99F4A69E-EE2D-E725-29B2-5FBCE86FE5B6}"/>
+              </a:ext>
+            </a:extLst>
+          </p:cNvPr>
+          <p:cNvSpPr>
+            <a:spLocks noGrp="1"/>
+          </p:cNvSpPr>
+          <p:nvPr>
+            <p:ph type="title"/>
+          </p:nvPr>
+        </p:nvSpPr>
+        <p:spPr/>
+        <p:txBody>
+          <a:bodyPr/>
+          <a:lstStyle/>
+          <a:p>
+            <a:r>
+              <a:rPr lang="en-US" b="1" dirty="0"/>
+              <a:t>Deployment</a:t>
+            </a:r>
+          </a:p>
+        </p:txBody>
+      </p:sp>
+      <p:sp>
+        <p:nvSpPr>
+          <p:cNvPr id="3" name="Content Placeholder 2">
+            <a:extLst>
+              <a:ext uri="{FF2B5EF4-FFF2-40B4-BE49-F238E27FC236}">
+                <a16:creationId xmlns:a16="http://schemas.microsoft.com/office/drawing/2014/main" id="{76F9C46F-708D-096B-AFB8-2DA54932C6F8}"/>
+              </a:ext>
+            </a:extLst>
+          </p:cNvPr>
+          <p:cNvSpPr>
+            <a:spLocks noGrp="1"/>
+          </p:cNvSpPr>
+          <p:nvPr>
+            <p:ph idx="1"/>
+          </p:nvPr>
+        </p:nvSpPr>
+        <p:spPr/>
+        <p:txBody>
+          <a:bodyPr/>
+          <a:lstStyle/>
+          <a:p>
+            <a:r>
+              <a:rPr lang="en-US" dirty="0"/>
+              <a:t>ONNX format</a:t>
+            </a:r>
+          </a:p>
+          <a:p>
+            <a:r>
+              <a:rPr lang="en-US" dirty="0"/>
+              <a:t>Deployed on Azure as a web endpoint</a:t>
+            </a:r>
+          </a:p>
+          <a:p>
+            <a:pPr marL="0" indent="0">
+              <a:buNone/>
+            </a:pPr>
+            <a:endParaRPr lang="en-US" dirty="0"/>
+          </a:p>
+        </p:txBody>
+      </p:sp>
+    </p:spTree>
+    <p:extLst>
+      <p:ext uri="{BB962C8B-B14F-4D97-AF65-F5344CB8AC3E}">
+        <p14:creationId xmlns:p14="http://schemas.microsoft.com/office/powerpoint/2010/main" val="3001789871"/>
+      </p:ext>
+    </p:extLst>
+  </p:cSld>
+  <p:clrMapOvr>
+    <a:masterClrMapping/>
+  </p:clrMapOvr>
+</p:sld>
+</file>
+
+<file path=ppt/slides/slide11.xml><?xml version="1.0" encoding="utf-8"?>
+<p:sld xmlns:a="http://schemas.openxmlformats.org/drawingml/2006/main" xmlns:r="http://schemas.openxmlformats.org/officeDocument/2006/relationships" xmlns:p="http://schemas.openxmlformats.org/presentationml/2006/main">
+  <p:cSld>
+    <p:spTree>
+      <p:nvGrpSpPr>
+        <p:cNvPr id="1" name=""/>
+        <p:cNvGrpSpPr/>
+        <p:nvPr/>
+      </p:nvGrpSpPr>
+      <p:grpSpPr>
+        <a:xfrm>
+          <a:off x="0" y="0"/>
+          <a:ext cx="0" cy="0"/>
+          <a:chOff x="0" y="0"/>
+          <a:chExt cx="0" cy="0"/>
+        </a:xfrm>
+      </p:grpSpPr>
+      <p:sp>
+        <p:nvSpPr>
+          <p:cNvPr id="2" name="Title 1">
+            <a:extLst>
+              <a:ext uri="{FF2B5EF4-FFF2-40B4-BE49-F238E27FC236}">
+                <a16:creationId xmlns:a16="http://schemas.microsoft.com/office/drawing/2014/main" id="{94A34E91-53AB-3A5B-49D3-6FAD802F2892}"/>
+              </a:ext>
+            </a:extLst>
+          </p:cNvPr>
+          <p:cNvSpPr>
+            <a:spLocks noGrp="1"/>
+          </p:cNvSpPr>
+          <p:nvPr>
+            <p:ph type="title"/>
+          </p:nvPr>
+        </p:nvSpPr>
+        <p:spPr/>
+        <p:txBody>
+          <a:bodyPr/>
+          <a:lstStyle/>
+          <a:p>
+            <a:r>
+              <a:rPr lang="en-US" b="1" dirty="0"/>
+              <a:t>Front End</a:t>
+            </a:r>
+          </a:p>
+        </p:txBody>
+      </p:sp>
+      <p:sp>
+        <p:nvSpPr>
+          <p:cNvPr id="3" name="Content Placeholder 2">
+            <a:extLst>
+              <a:ext uri="{FF2B5EF4-FFF2-40B4-BE49-F238E27FC236}">
+                <a16:creationId xmlns:a16="http://schemas.microsoft.com/office/drawing/2014/main" id="{7A67F7E3-F03B-7E32-D488-6FEF17147093}"/>
+              </a:ext>
+            </a:extLst>
+          </p:cNvPr>
+          <p:cNvSpPr>
+            <a:spLocks noGrp="1"/>
+          </p:cNvSpPr>
+          <p:nvPr>
+            <p:ph idx="1"/>
+          </p:nvPr>
+        </p:nvSpPr>
+        <p:spPr/>
+        <p:txBody>
+          <a:bodyPr/>
+          <a:lstStyle/>
+          <a:p>
+            <a:r>
+              <a:rPr lang="en-US" dirty="0"/>
+              <a:t>App for android and iOS and Windows</a:t>
+            </a:r>
+          </a:p>
+          <a:p>
+            <a:endParaRPr lang="en-US" dirty="0"/>
+          </a:p>
+          <a:p>
+            <a:pPr marL="0" indent="0">
+              <a:buNone/>
+            </a:pPr>
+            <a:endParaRPr lang="en-US" dirty="0"/>
+          </a:p>
+        </p:txBody>
+      </p:sp>
+    </p:spTree>
+    <p:extLst>
+      <p:ext uri="{BB962C8B-B14F-4D97-AF65-F5344CB8AC3E}">
+        <p14:creationId xmlns:p14="http://schemas.microsoft.com/office/powerpoint/2010/main" val="2539539429"/>
+      </p:ext>
+    </p:extLst>
+  </p:cSld>
+  <p:clrMapOvr>
+    <a:masterClrMapping/>
+  </p:clrMapOvr>
+</p:sld>
+</file>
+
+<file path=ppt/slides/slide12.xml><?xml version="1.0" encoding="utf-8"?>
+<p:sld xmlns:a="http://schemas.openxmlformats.org/drawingml/2006/main" xmlns:r="http://schemas.openxmlformats.org/officeDocument/2006/relationships" xmlns:p="http://schemas.openxmlformats.org/presentationml/2006/main">
+  <p:cSld>
+    <p:spTree>
+      <p:nvGrpSpPr>
+        <p:cNvPr id="1" name=""/>
+        <p:cNvGrpSpPr/>
+        <p:nvPr/>
+      </p:nvGrpSpPr>
+      <p:grpSpPr>
+        <a:xfrm>
+          <a:off x="0" y="0"/>
+          <a:ext cx="0" cy="0"/>
+          <a:chOff x="0" y="0"/>
+          <a:chExt cx="0" cy="0"/>
+        </a:xfrm>
+      </p:grpSpPr>
+      <p:sp>
+        <p:nvSpPr>
+          <p:cNvPr id="2" name="Title 1">
+            <a:extLst>
+              <a:ext uri="{FF2B5EF4-FFF2-40B4-BE49-F238E27FC236}">
+                <a16:creationId xmlns:a16="http://schemas.microsoft.com/office/drawing/2014/main" id="{6979582F-FE10-27C3-344D-46F5D13F8E56}"/>
+              </a:ext>
+            </a:extLst>
+          </p:cNvPr>
+          <p:cNvSpPr>
+            <a:spLocks noGrp="1"/>
+          </p:cNvSpPr>
+          <p:nvPr>
+            <p:ph type="title"/>
+          </p:nvPr>
+        </p:nvSpPr>
+        <p:spPr/>
+        <p:txBody>
+          <a:bodyPr/>
+          <a:lstStyle/>
+          <a:p>
+            <a:r>
+              <a:rPr lang="en-US" b="1" dirty="0"/>
+              <a:t>Demo</a:t>
+            </a:r>
+          </a:p>
+        </p:txBody>
+      </p:sp>
+      <p:sp>
+        <p:nvSpPr>
+          <p:cNvPr id="3" name="Content Placeholder 2">
+            <a:extLst>
+              <a:ext uri="{FF2B5EF4-FFF2-40B4-BE49-F238E27FC236}">
+                <a16:creationId xmlns:a16="http://schemas.microsoft.com/office/drawing/2014/main" id="{E029BD05-885E-77F7-1F60-FE0210F4FB0A}"/>
+              </a:ext>
+            </a:extLst>
+          </p:cNvPr>
+          <p:cNvSpPr>
+            <a:spLocks noGrp="1"/>
+          </p:cNvSpPr>
+          <p:nvPr>
+            <p:ph idx="1"/>
+          </p:nvPr>
+        </p:nvSpPr>
+        <p:spPr/>
+        <p:txBody>
+          <a:bodyPr/>
+          <a:lstStyle/>
+          <a:p>
+            <a:endParaRPr lang="en-US" dirty="0"/>
+          </a:p>
+        </p:txBody>
+      </p:sp>
+    </p:spTree>
+    <p:extLst>
+      <p:ext uri="{BB962C8B-B14F-4D97-AF65-F5344CB8AC3E}">
+        <p14:creationId xmlns:p14="http://schemas.microsoft.com/office/powerpoint/2010/main" val="1415940472"/>
+      </p:ext>
+    </p:extLst>
+  </p:cSld>
+  <p:clrMapOvr>
+    <a:masterClrMapping/>
+  </p:clrMapOvr>
+</p:sld>
+</file>
+
+<file path=ppt/slides/slide13.xml><?xml version="1.0" encoding="utf-8"?>
+<p:sld xmlns:a="http://schemas.openxmlformats.org/drawingml/2006/main" xmlns:r="http://schemas.openxmlformats.org/officeDocument/2006/relationships" xmlns:p="http://schemas.openxmlformats.org/presentationml/2006/main">
+  <p:cSld>
+    <p:spTree>
+      <p:nvGrpSpPr>
+        <p:cNvPr id="1" name=""/>
+        <p:cNvGrpSpPr/>
+        <p:nvPr/>
+      </p:nvGrpSpPr>
+      <p:grpSpPr>
+        <a:xfrm>
+          <a:off x="0" y="0"/>
+          <a:ext cx="0" cy="0"/>
+          <a:chOff x="0" y="0"/>
+          <a:chExt cx="0" cy="0"/>
+        </a:xfrm>
+      </p:grpSpPr>
+      <p:sp>
+        <p:nvSpPr>
+          <p:cNvPr id="2" name="Title 1">
+            <a:extLst>
+              <a:ext uri="{FF2B5EF4-FFF2-40B4-BE49-F238E27FC236}">
+                <a16:creationId xmlns:a16="http://schemas.microsoft.com/office/drawing/2014/main" id="{7754D162-31DB-CAF0-045F-C4F23851DC7A}"/>
+              </a:ext>
+            </a:extLst>
+          </p:cNvPr>
+          <p:cNvSpPr>
+            <a:spLocks noGrp="1"/>
+          </p:cNvSpPr>
+          <p:nvPr>
+            <p:ph type="title"/>
+          </p:nvPr>
+        </p:nvSpPr>
+        <p:spPr/>
+        <p:txBody>
+          <a:bodyPr/>
+          <a:lstStyle/>
+          <a:p>
+            <a:r>
+              <a:rPr lang="en-US" b="1" dirty="0"/>
+              <a:t>Future Work</a:t>
+            </a:r>
+          </a:p>
+        </p:txBody>
+      </p:sp>
+      <p:sp>
+        <p:nvSpPr>
+          <p:cNvPr id="3" name="Content Placeholder 2">
+            <a:extLst>
+              <a:ext uri="{FF2B5EF4-FFF2-40B4-BE49-F238E27FC236}">
+                <a16:creationId xmlns:a16="http://schemas.microsoft.com/office/drawing/2014/main" id="{F561033D-8461-CBCC-D7AB-E74FFC50A7AF}"/>
+              </a:ext>
+            </a:extLst>
+          </p:cNvPr>
+          <p:cNvSpPr>
+            <a:spLocks noGrp="1"/>
+          </p:cNvSpPr>
+          <p:nvPr>
+            <p:ph idx="1"/>
+          </p:nvPr>
+        </p:nvSpPr>
+        <p:spPr/>
+        <p:txBody>
+          <a:bodyPr/>
+          <a:lstStyle/>
+          <a:p>
+            <a:endParaRPr lang="en-US" dirty="0"/>
+          </a:p>
+        </p:txBody>
+      </p:sp>
+    </p:spTree>
+    <p:extLst>
+      <p:ext uri="{BB962C8B-B14F-4D97-AF65-F5344CB8AC3E}">
+        <p14:creationId xmlns:p14="http://schemas.microsoft.com/office/powerpoint/2010/main" val="1811333415"/>
+      </p:ext>
+    </p:extLst>
+  </p:cSld>
+  <p:clrMapOvr>
+    <a:masterClrMapping/>
+  </p:clrMapOvr>
+</p:sld>
+</file>
+
 <file path=ppt/slides/slide2.xml><?xml version="1.0" encoding="utf-8"?>
 <p:sld xmlns:a="http://schemas.openxmlformats.org/drawingml/2006/main" xmlns:r="http://schemas.openxmlformats.org/officeDocument/2006/relationships" xmlns:p="http://schemas.openxmlformats.org/presentationml/2006/main">
   <p:cSld>
@@ -3551,7 +3914,7 @@
           <p:cNvPr id="2" name="Title 1">
             <a:extLst>
               <a:ext uri="{FF2B5EF4-FFF2-40B4-BE49-F238E27FC236}">
-                <a16:creationId xmlns:a16="http://schemas.microsoft.com/office/drawing/2014/main" id="{ABEC9422-F973-6A15-AD64-532275A9D0F7}"/>
+                <a16:creationId xmlns:a16="http://schemas.microsoft.com/office/drawing/2014/main" id="{41099D08-AB1E-C2AE-6C5C-3B496A46F456}"/>
               </a:ext>
             </a:extLst>
           </p:cNvPr>
@@ -3569,7 +3932,7 @@
           <a:p>
             <a:r>
               <a:rPr lang="en-US" dirty="0"/>
-              <a:t>The Data Processing Phase</a:t>
+              <a:t>Can Stock price be predicted based on past stock data?</a:t>
             </a:r>
           </a:p>
         </p:txBody>
@@ -3579,7 +3942,7 @@
           <p:cNvPr id="3" name="Content Placeholder 2">
             <a:extLst>
               <a:ext uri="{FF2B5EF4-FFF2-40B4-BE49-F238E27FC236}">
-                <a16:creationId xmlns:a16="http://schemas.microsoft.com/office/drawing/2014/main" id="{C054C3F2-D2B3-5B0F-C5EF-CB6FF084ABAD}"/>
+                <a16:creationId xmlns:a16="http://schemas.microsoft.com/office/drawing/2014/main" id="{97F270E1-3DF5-9E83-A8D8-E0C0F5235274}"/>
               </a:ext>
             </a:extLst>
           </p:cNvPr>
@@ -3597,28 +3960,8 @@
           <a:p>
             <a:r>
               <a:rPr lang="en-US" dirty="0"/>
-              <a:t>Stock data – [open, close, high, low, volumes] fetched from yahoo\google stock </a:t>
-            </a:r>
-            <a:r>
-              <a:rPr lang="en-US" dirty="0" err="1"/>
-              <a:t>api</a:t>
-            </a:r>
-            <a:endParaRPr lang="en-US" dirty="0"/>
-          </a:p>
-          <a:p>
-            <a:r>
-              <a:rPr lang="en-US" dirty="0"/>
-              <a:t>Normalized</a:t>
-            </a:r>
-          </a:p>
-          <a:p>
-            <a:endParaRPr lang="en-US" dirty="0"/>
-          </a:p>
-          <a:p>
-            <a:endParaRPr lang="en-US" dirty="0"/>
-          </a:p>
-          <a:p>
-            <a:endParaRPr lang="en-US" dirty="0"/>
+              <a:t>Multiple studies </a:t>
+            </a:r>
           </a:p>
           <a:p>
             <a:endParaRPr lang="en-US" dirty="0"/>
@@ -3628,7 +3971,7 @@
     </p:spTree>
     <p:extLst>
       <p:ext uri="{BB962C8B-B14F-4D97-AF65-F5344CB8AC3E}">
-        <p14:creationId xmlns:p14="http://schemas.microsoft.com/office/powerpoint/2010/main" val="378561687"/>
+        <p14:creationId xmlns:p14="http://schemas.microsoft.com/office/powerpoint/2010/main" val="1763810750"/>
       </p:ext>
     </p:extLst>
   </p:cSld>
@@ -3660,7 +4003,7 @@
           <p:cNvPr id="2" name="Title 1">
             <a:extLst>
               <a:ext uri="{FF2B5EF4-FFF2-40B4-BE49-F238E27FC236}">
-                <a16:creationId xmlns:a16="http://schemas.microsoft.com/office/drawing/2014/main" id="{D13ED9C3-CED9-96AA-EC3C-10784704A77E}"/>
+                <a16:creationId xmlns:a16="http://schemas.microsoft.com/office/drawing/2014/main" id="{5D4C376A-4B30-F742-97FF-A896DAE17CCB}"/>
               </a:ext>
             </a:extLst>
           </p:cNvPr>
@@ -3678,7 +4021,7 @@
           <a:p>
             <a:r>
               <a:rPr lang="en-US" dirty="0"/>
-              <a:t>Sentiment Analysis</a:t>
+              <a:t>Can online sentiment impact the stock prices?</a:t>
             </a:r>
           </a:p>
         </p:txBody>
@@ -3688,7 +4031,7 @@
           <p:cNvPr id="3" name="Content Placeholder 2">
             <a:extLst>
               <a:ext uri="{FF2B5EF4-FFF2-40B4-BE49-F238E27FC236}">
-                <a16:creationId xmlns:a16="http://schemas.microsoft.com/office/drawing/2014/main" id="{4198C055-3931-2BCB-061D-77A45DB9DFF5}"/>
+                <a16:creationId xmlns:a16="http://schemas.microsoft.com/office/drawing/2014/main" id="{CF71CADC-D75C-ABFA-AB42-B6573032D926}"/>
               </a:ext>
             </a:extLst>
           </p:cNvPr>
@@ -3706,24 +4049,15 @@
           <a:p>
             <a:r>
               <a:rPr lang="en-US" dirty="0"/>
-              <a:t>News Data</a:t>
-            </a:r>
-          </a:p>
-          <a:p>
-            <a:r>
-              <a:rPr lang="en-US" dirty="0"/>
-              <a:t>Twitter Data</a:t>
-            </a:r>
-          </a:p>
-          <a:p>
-            <a:endParaRPr lang="en-US" dirty="0"/>
+              <a:t>Multiple studies</a:t>
+            </a:r>
           </a:p>
         </p:txBody>
       </p:sp>
     </p:spTree>
     <p:extLst>
       <p:ext uri="{BB962C8B-B14F-4D97-AF65-F5344CB8AC3E}">
-        <p14:creationId xmlns:p14="http://schemas.microsoft.com/office/powerpoint/2010/main" val="952795166"/>
+        <p14:creationId xmlns:p14="http://schemas.microsoft.com/office/powerpoint/2010/main" val="1476923918"/>
       </p:ext>
     </p:extLst>
   </p:cSld>
@@ -3755,7 +4089,7 @@
           <p:cNvPr id="2" name="Title 1">
             <a:extLst>
               <a:ext uri="{FF2B5EF4-FFF2-40B4-BE49-F238E27FC236}">
-                <a16:creationId xmlns:a16="http://schemas.microsoft.com/office/drawing/2014/main" id="{F81B41AB-9C50-E448-F40F-E6F978EB8962}"/>
+                <a16:creationId xmlns:a16="http://schemas.microsoft.com/office/drawing/2014/main" id="{ABEC9422-F973-6A15-AD64-532275A9D0F7}"/>
               </a:ext>
             </a:extLst>
           </p:cNvPr>
@@ -3772,61 +4106,59 @@
           <a:lstStyle/>
           <a:p>
             <a:r>
+              <a:rPr lang="en-US" b="1" dirty="0"/>
+              <a:t>Data Processing</a:t>
+            </a:r>
+          </a:p>
+        </p:txBody>
+      </p:sp>
+      <p:sp>
+        <p:nvSpPr>
+          <p:cNvPr id="3" name="Content Placeholder 2">
+            <a:extLst>
+              <a:ext uri="{FF2B5EF4-FFF2-40B4-BE49-F238E27FC236}">
+                <a16:creationId xmlns:a16="http://schemas.microsoft.com/office/drawing/2014/main" id="{C054C3F2-D2B3-5B0F-C5EF-CB6FF084ABAD}"/>
+              </a:ext>
+            </a:extLst>
+          </p:cNvPr>
+          <p:cNvSpPr>
+            <a:spLocks noGrp="1"/>
+          </p:cNvSpPr>
+          <p:nvPr>
+            <p:ph idx="1"/>
+          </p:nvPr>
+        </p:nvSpPr>
+        <p:spPr/>
+        <p:txBody>
+          <a:bodyPr/>
+          <a:lstStyle/>
+          <a:p>
+            <a:r>
               <a:rPr lang="en-US" dirty="0"/>
-              <a:t>Model </a:t>
-            </a:r>
-          </a:p>
-        </p:txBody>
-      </p:sp>
-      <p:sp>
-        <p:nvSpPr>
-          <p:cNvPr id="3" name="Content Placeholder 2">
-            <a:extLst>
-              <a:ext uri="{FF2B5EF4-FFF2-40B4-BE49-F238E27FC236}">
-                <a16:creationId xmlns:a16="http://schemas.microsoft.com/office/drawing/2014/main" id="{11C03AAE-1A3C-821F-7F95-FB98BA869EEF}"/>
-              </a:ext>
-            </a:extLst>
-          </p:cNvPr>
-          <p:cNvSpPr>
-            <a:spLocks noGrp="1"/>
-          </p:cNvSpPr>
-          <p:nvPr>
-            <p:ph idx="1"/>
-          </p:nvPr>
-        </p:nvSpPr>
-        <p:spPr/>
-        <p:txBody>
-          <a:bodyPr/>
-          <a:lstStyle/>
+              <a:t>Stock data – [open, close, high, low, volumes] fetched from yahoo\google stock </a:t>
+            </a:r>
+            <a:r>
+              <a:rPr lang="en-US" dirty="0" err="1"/>
+              <a:t>api</a:t>
+            </a:r>
+            <a:endParaRPr lang="en-US" dirty="0"/>
+          </a:p>
           <a:p>
             <a:r>
               <a:rPr lang="en-US" dirty="0"/>
-              <a:t>LSTMs</a:t>
-            </a:r>
-          </a:p>
-          <a:p>
-            <a:pPr lvl="1"/>
-            <a:r>
-              <a:rPr lang="en-US" dirty="0"/>
-              <a:t>Why LSTMs?</a:t>
-            </a:r>
-          </a:p>
-          <a:p>
-            <a:pPr lvl="1"/>
-            <a:r>
-              <a:rPr lang="en-US" dirty="0"/>
-              <a:t>Other models</a:t>
-            </a:r>
-          </a:p>
-          <a:p>
-            <a:pPr lvl="1"/>
-            <a:r>
-              <a:rPr lang="en-US" dirty="0"/>
-              <a:t>Accuracy</a:t>
-            </a:r>
-          </a:p>
-          <a:p>
-            <a:pPr lvl="1"/>
+              <a:t>Normalized</a:t>
+            </a:r>
+          </a:p>
+          <a:p>
+            <a:endParaRPr lang="en-US" dirty="0"/>
+          </a:p>
+          <a:p>
+            <a:endParaRPr lang="en-US" dirty="0"/>
+          </a:p>
+          <a:p>
+            <a:endParaRPr lang="en-US" dirty="0"/>
+          </a:p>
+          <a:p>
             <a:endParaRPr lang="en-US" dirty="0"/>
           </a:p>
         </p:txBody>
@@ -3834,7 +4166,7 @@
     </p:spTree>
     <p:extLst>
       <p:ext uri="{BB962C8B-B14F-4D97-AF65-F5344CB8AC3E}">
-        <p14:creationId xmlns:p14="http://schemas.microsoft.com/office/powerpoint/2010/main" val="1108218016"/>
+        <p14:creationId xmlns:p14="http://schemas.microsoft.com/office/powerpoint/2010/main" val="378561687"/>
       </p:ext>
     </p:extLst>
   </p:cSld>
@@ -3866,7 +4198,7 @@
           <p:cNvPr id="2" name="Title 1">
             <a:extLst>
               <a:ext uri="{FF2B5EF4-FFF2-40B4-BE49-F238E27FC236}">
-                <a16:creationId xmlns:a16="http://schemas.microsoft.com/office/drawing/2014/main" id="{F19E7E7F-E4B0-F293-3D82-9D6CD0FE6EEE}"/>
+                <a16:creationId xmlns:a16="http://schemas.microsoft.com/office/drawing/2014/main" id="{D13ED9C3-CED9-96AA-EC3C-10784704A77E}"/>
               </a:ext>
             </a:extLst>
           </p:cNvPr>
@@ -3883,48 +4215,58 @@
           <a:lstStyle/>
           <a:p>
             <a:r>
+              <a:rPr lang="en-US" b="1" dirty="0"/>
+              <a:t>Sentiment Analysis</a:t>
+            </a:r>
+          </a:p>
+        </p:txBody>
+      </p:sp>
+      <p:sp>
+        <p:nvSpPr>
+          <p:cNvPr id="3" name="Content Placeholder 2">
+            <a:extLst>
+              <a:ext uri="{FF2B5EF4-FFF2-40B4-BE49-F238E27FC236}">
+                <a16:creationId xmlns:a16="http://schemas.microsoft.com/office/drawing/2014/main" id="{4198C055-3931-2BCB-061D-77A45DB9DFF5}"/>
+              </a:ext>
+            </a:extLst>
+          </p:cNvPr>
+          <p:cNvSpPr>
+            <a:spLocks noGrp="1"/>
+          </p:cNvSpPr>
+          <p:nvPr>
+            <p:ph idx="1"/>
+          </p:nvPr>
+        </p:nvSpPr>
+        <p:spPr>
+          <a:xfrm>
+            <a:off x="838200" y="1836257"/>
+            <a:ext cx="10515600" cy="4351338"/>
+          </a:xfrm>
+        </p:spPr>
+        <p:txBody>
+          <a:bodyPr/>
+          <a:lstStyle/>
+          <a:p>
+            <a:r>
               <a:rPr lang="en-US" dirty="0"/>
-              <a:t>Model Plot 1</a:t>
-            </a:r>
-          </a:p>
-        </p:txBody>
-      </p:sp>
-      <p:sp>
-        <p:nvSpPr>
-          <p:cNvPr id="3" name="Content Placeholder 2">
-            <a:extLst>
-              <a:ext uri="{FF2B5EF4-FFF2-40B4-BE49-F238E27FC236}">
-                <a16:creationId xmlns:a16="http://schemas.microsoft.com/office/drawing/2014/main" id="{D7A17D4E-4B42-CC75-E57D-5B66D101BE20}"/>
-              </a:ext>
-            </a:extLst>
-          </p:cNvPr>
-          <p:cNvSpPr>
-            <a:spLocks noGrp="1"/>
-          </p:cNvSpPr>
-          <p:nvPr>
-            <p:ph idx="1"/>
-          </p:nvPr>
-        </p:nvSpPr>
-        <p:spPr/>
-        <p:txBody>
-          <a:bodyPr/>
-          <a:lstStyle/>
-          <a:p>
-            <a:r>
-              <a:rPr lang="en-US"/>
-              <a:t>Put an </a:t>
-            </a:r>
+              <a:t>News Data</a:t>
+            </a:r>
+          </a:p>
+          <a:p>
             <a:r>
               <a:rPr lang="en-US" dirty="0"/>
-              <a:t>accuracy graph here</a:t>
-            </a:r>
+              <a:t>Processing</a:t>
+            </a:r>
+          </a:p>
+          <a:p>
+            <a:endParaRPr lang="en-US" dirty="0"/>
           </a:p>
         </p:txBody>
       </p:sp>
     </p:spTree>
     <p:extLst>
       <p:ext uri="{BB962C8B-B14F-4D97-AF65-F5344CB8AC3E}">
-        <p14:creationId xmlns:p14="http://schemas.microsoft.com/office/powerpoint/2010/main" val="2265153615"/>
+        <p14:creationId xmlns:p14="http://schemas.microsoft.com/office/powerpoint/2010/main" val="952795166"/>
       </p:ext>
     </p:extLst>
   </p:cSld>
@@ -3956,7 +4298,7 @@
           <p:cNvPr id="2" name="Title 1">
             <a:extLst>
               <a:ext uri="{FF2B5EF4-FFF2-40B4-BE49-F238E27FC236}">
-                <a16:creationId xmlns:a16="http://schemas.microsoft.com/office/drawing/2014/main" id="{99F4A69E-EE2D-E725-29B2-5FBCE86FE5B6}"/>
+                <a16:creationId xmlns:a16="http://schemas.microsoft.com/office/drawing/2014/main" id="{F81B41AB-9C50-E448-F40F-E6F978EB8962}"/>
               </a:ext>
             </a:extLst>
           </p:cNvPr>
@@ -3974,7 +4316,7 @@
           <a:p>
             <a:r>
               <a:rPr lang="en-US" dirty="0"/>
-              <a:t>Deployment</a:t>
+              <a:t>Model </a:t>
             </a:r>
           </a:p>
         </p:txBody>
@@ -3984,7 +4326,7 @@
           <p:cNvPr id="3" name="Content Placeholder 2">
             <a:extLst>
               <a:ext uri="{FF2B5EF4-FFF2-40B4-BE49-F238E27FC236}">
-                <a16:creationId xmlns:a16="http://schemas.microsoft.com/office/drawing/2014/main" id="{76F9C46F-708D-096B-AFB8-2DA54932C6F8}"/>
+                <a16:creationId xmlns:a16="http://schemas.microsoft.com/office/drawing/2014/main" id="{11C03AAE-1A3C-821F-7F95-FB98BA869EEF}"/>
               </a:ext>
             </a:extLst>
           </p:cNvPr>
@@ -4002,20 +4344,32 @@
           <a:p>
             <a:r>
               <a:rPr lang="en-US" dirty="0"/>
-              <a:t>ONNX format</a:t>
-            </a:r>
-          </a:p>
-          <a:p>
+              <a:t>LSTMs</a:t>
+            </a:r>
+          </a:p>
+          <a:p>
+            <a:pPr lvl="1"/>
             <a:r>
               <a:rPr lang="en-US" dirty="0"/>
-              <a:t>Deployed on Azure as a web endpoint</a:t>
-            </a:r>
-          </a:p>
-          <a:p>
-            <a:r>
-              <a:rPr lang="en-US"/>
-              <a:t>Pipel</a:t>
-            </a:r>
+              <a:t>Why LSTMs?</a:t>
+            </a:r>
+          </a:p>
+          <a:p>
+            <a:pPr lvl="1"/>
+            <a:r>
+              <a:rPr lang="en-US" dirty="0"/>
+              <a:t>Other models</a:t>
+            </a:r>
+          </a:p>
+          <a:p>
+            <a:pPr lvl="1"/>
+            <a:r>
+              <a:rPr lang="en-US" dirty="0"/>
+              <a:t>Accuracy</a:t>
+            </a:r>
+          </a:p>
+          <a:p>
+            <a:pPr lvl="1"/>
             <a:endParaRPr lang="en-US" dirty="0"/>
           </a:p>
         </p:txBody>
@@ -4023,7 +4377,7 @@
     </p:spTree>
     <p:extLst>
       <p:ext uri="{BB962C8B-B14F-4D97-AF65-F5344CB8AC3E}">
-        <p14:creationId xmlns:p14="http://schemas.microsoft.com/office/powerpoint/2010/main" val="3001789871"/>
+        <p14:creationId xmlns:p14="http://schemas.microsoft.com/office/powerpoint/2010/main" val="1108218016"/>
       </p:ext>
     </p:extLst>
   </p:cSld>
@@ -4055,7 +4409,7 @@
           <p:cNvPr id="2" name="Title 1">
             <a:extLst>
               <a:ext uri="{FF2B5EF4-FFF2-40B4-BE49-F238E27FC236}">
-                <a16:creationId xmlns:a16="http://schemas.microsoft.com/office/drawing/2014/main" id="{94A34E91-53AB-3A5B-49D3-6FAD802F2892}"/>
+                <a16:creationId xmlns:a16="http://schemas.microsoft.com/office/drawing/2014/main" id="{4C557F91-8AF6-D7F7-8431-67078E0B1FF7}"/>
               </a:ext>
             </a:extLst>
           </p:cNvPr>
@@ -4072,53 +4426,16 @@
           <a:lstStyle/>
           <a:p>
             <a:r>
-              <a:rPr lang="en-US" dirty="0"/>
-              <a:t>Front End</a:t>
-            </a:r>
-          </a:p>
-        </p:txBody>
-      </p:sp>
-      <p:sp>
-        <p:nvSpPr>
-          <p:cNvPr id="3" name="Content Placeholder 2">
-            <a:extLst>
-              <a:ext uri="{FF2B5EF4-FFF2-40B4-BE49-F238E27FC236}">
-                <a16:creationId xmlns:a16="http://schemas.microsoft.com/office/drawing/2014/main" id="{7A67F7E3-F03B-7E32-D488-6FEF17147093}"/>
-              </a:ext>
-            </a:extLst>
-          </p:cNvPr>
-          <p:cNvSpPr>
-            <a:spLocks noGrp="1"/>
-          </p:cNvSpPr>
-          <p:nvPr>
-            <p:ph idx="1"/>
-          </p:nvPr>
-        </p:nvSpPr>
-        <p:spPr/>
-        <p:txBody>
-          <a:bodyPr/>
-          <a:lstStyle/>
-          <a:p>
-            <a:r>
-              <a:rPr lang="en-US" dirty="0"/>
-              <a:t>App for android and iOS and Windows</a:t>
-            </a:r>
-          </a:p>
-          <a:p>
-            <a:endParaRPr lang="en-US" dirty="0"/>
-          </a:p>
-          <a:p>
-            <a:pPr marL="0" indent="0">
-              <a:buNone/>
-            </a:pPr>
-            <a:endParaRPr lang="en-US" dirty="0"/>
+              <a:rPr lang="en-US" b="1" dirty="0"/>
+              <a:t>Architecture Diagram</a:t>
+            </a:r>
           </a:p>
         </p:txBody>
       </p:sp>
     </p:spTree>
     <p:extLst>
       <p:ext uri="{BB962C8B-B14F-4D97-AF65-F5344CB8AC3E}">
-        <p14:creationId xmlns:p14="http://schemas.microsoft.com/office/powerpoint/2010/main" val="2539539429"/>
+        <p14:creationId xmlns:p14="http://schemas.microsoft.com/office/powerpoint/2010/main" val="2741814464"/>
       </p:ext>
     </p:extLst>
   </p:cSld>
@@ -4150,7 +4467,7 @@
           <p:cNvPr id="2" name="Title 1">
             <a:extLst>
               <a:ext uri="{FF2B5EF4-FFF2-40B4-BE49-F238E27FC236}">
-                <a16:creationId xmlns:a16="http://schemas.microsoft.com/office/drawing/2014/main" id="{6979582F-FE10-27C3-344D-46F5D13F8E56}"/>
+                <a16:creationId xmlns:a16="http://schemas.microsoft.com/office/drawing/2014/main" id="{F19E7E7F-E4B0-F293-3D82-9D6CD0FE6EEE}"/>
               </a:ext>
             </a:extLst>
           </p:cNvPr>
@@ -4167,41 +4484,44 @@
           <a:lstStyle/>
           <a:p>
             <a:r>
+              <a:rPr lang="en-US" b="1" dirty="0"/>
+              <a:t>Results</a:t>
+            </a:r>
+          </a:p>
+        </p:txBody>
+      </p:sp>
+      <p:sp>
+        <p:nvSpPr>
+          <p:cNvPr id="3" name="Content Placeholder 2">
+            <a:extLst>
+              <a:ext uri="{FF2B5EF4-FFF2-40B4-BE49-F238E27FC236}">
+                <a16:creationId xmlns:a16="http://schemas.microsoft.com/office/drawing/2014/main" id="{D7A17D4E-4B42-CC75-E57D-5B66D101BE20}"/>
+              </a:ext>
+            </a:extLst>
+          </p:cNvPr>
+          <p:cNvSpPr>
+            <a:spLocks noGrp="1"/>
+          </p:cNvSpPr>
+          <p:nvPr>
+            <p:ph idx="1"/>
+          </p:nvPr>
+        </p:nvSpPr>
+        <p:spPr/>
+        <p:txBody>
+          <a:bodyPr/>
+          <a:lstStyle/>
+          <a:p>
+            <a:r>
               <a:rPr lang="en-US" dirty="0"/>
-              <a:t>Demo</a:t>
-            </a:r>
-          </a:p>
-        </p:txBody>
-      </p:sp>
-      <p:sp>
-        <p:nvSpPr>
-          <p:cNvPr id="3" name="Content Placeholder 2">
-            <a:extLst>
-              <a:ext uri="{FF2B5EF4-FFF2-40B4-BE49-F238E27FC236}">
-                <a16:creationId xmlns:a16="http://schemas.microsoft.com/office/drawing/2014/main" id="{E029BD05-885E-77F7-1F60-FE0210F4FB0A}"/>
-              </a:ext>
-            </a:extLst>
-          </p:cNvPr>
-          <p:cNvSpPr>
-            <a:spLocks noGrp="1"/>
-          </p:cNvSpPr>
-          <p:nvPr>
-            <p:ph idx="1"/>
-          </p:nvPr>
-        </p:nvSpPr>
-        <p:spPr/>
-        <p:txBody>
-          <a:bodyPr/>
-          <a:lstStyle/>
-          <a:p>
-            <a:endParaRPr lang="en-US" dirty="0"/>
+              <a:t>Put an accuracy graph here</a:t>
+            </a:r>
           </a:p>
         </p:txBody>
       </p:sp>
     </p:spTree>
     <p:extLst>
       <p:ext uri="{BB962C8B-B14F-4D97-AF65-F5344CB8AC3E}">
-        <p14:creationId xmlns:p14="http://schemas.microsoft.com/office/powerpoint/2010/main" val="1415940472"/>
+        <p14:creationId xmlns:p14="http://schemas.microsoft.com/office/powerpoint/2010/main" val="2265153615"/>
       </p:ext>
     </p:extLst>
   </p:cSld>
@@ -4504,4 +4824,10 @@
     </a:ext>
   </a:extLst>
 </a:theme>
+</file>
+
+<file path=docMetadata/LabelInfo.xml><?xml version="1.0" encoding="utf-8"?>
+<clbl:labelList xmlns:clbl="http://schemas.microsoft.com/office/2020/mipLabelMetadata">
+  <clbl:label id="{f42aa342-8706-4288-bd11-ebb85995028c}" enabled="1" method="Standard" siteId="{72f988bf-86f1-41af-91ab-2d7cd011db47}" contentBits="0" removed="0"/>
+</clbl:labelList>
 </file>